--- a/china/EOSFactory.pptx
+++ b/china/EOSFactory.pptx
@@ -7231,7 +7231,7 @@
           <a:p>
             <a:fld id="{6D9EE66E-0075-4EC7-AFEF-A844E5107398}" type="datetimeFigureOut">
               <a:rPr lang="en-US" smtClean="0"/>
-              <a:t>6/9/2018</a:t>
+              <a:t>7/30/2018</a:t>
             </a:fld>
             <a:endParaRPr lang="en-US" dirty="0"/>
           </a:p>
@@ -7826,7 +7826,7 @@
             </a:ln>
             <a:extLst>
               <a:ext uri="{91240B29-F687-4f45-9708-019B960494DF}">
-                <a14:hiddenLine xmlns:a14="http://schemas.microsoft.com/office/drawing/2010/main" xmlns="" w="9525">
+                <a14:hiddenLine xmlns="" xmlns:a14="http://schemas.microsoft.com/office/drawing/2010/main" w="9525">
                   <a:solidFill>
                     <a:srgbClr val="000000"/>
                   </a:solidFill>
@@ -7916,7 +7916,7 @@
             </a:ln>
             <a:extLst>
               <a:ext uri="{91240B29-F687-4f45-9708-019B960494DF}">
-                <a14:hiddenLine xmlns:a14="http://schemas.microsoft.com/office/drawing/2010/main" xmlns="" w="9525">
+                <a14:hiddenLine xmlns="" xmlns:a14="http://schemas.microsoft.com/office/drawing/2010/main" w="9525">
                   <a:solidFill>
                     <a:srgbClr val="000000"/>
                   </a:solidFill>
@@ -8006,7 +8006,7 @@
             </a:ln>
             <a:extLst>
               <a:ext uri="{91240B29-F687-4f45-9708-019B960494DF}">
-                <a14:hiddenLine xmlns:a14="http://schemas.microsoft.com/office/drawing/2010/main" xmlns="" w="9525">
+                <a14:hiddenLine xmlns="" xmlns:a14="http://schemas.microsoft.com/office/drawing/2010/main" w="9525">
                   <a:solidFill>
                     <a:srgbClr val="000000"/>
                   </a:solidFill>
@@ -8040,7 +8040,7 @@
             </a:ln>
             <a:extLst>
               <a:ext uri="{91240B29-F687-4f45-9708-019B960494DF}">
-                <a14:hiddenLine xmlns:a14="http://schemas.microsoft.com/office/drawing/2010/main" xmlns="" w="9525">
+                <a14:hiddenLine xmlns="" xmlns:a14="http://schemas.microsoft.com/office/drawing/2010/main" w="9525">
                   <a:solidFill>
                     <a:srgbClr val="000000"/>
                   </a:solidFill>
@@ -8130,7 +8130,7 @@
             </a:ln>
             <a:extLst>
               <a:ext uri="{91240B29-F687-4f45-9708-019B960494DF}">
-                <a14:hiddenLine xmlns:a14="http://schemas.microsoft.com/office/drawing/2010/main" xmlns="" w="9525">
+                <a14:hiddenLine xmlns="" xmlns:a14="http://schemas.microsoft.com/office/drawing/2010/main" w="9525">
                   <a:solidFill>
                     <a:srgbClr val="000000"/>
                   </a:solidFill>
@@ -8192,7 +8192,7 @@
             </a:ln>
             <a:extLst>
               <a:ext uri="{91240B29-F687-4f45-9708-019B960494DF}">
-                <a14:hiddenLine xmlns:a14="http://schemas.microsoft.com/office/drawing/2010/main" xmlns="" w="9525">
+                <a14:hiddenLine xmlns="" xmlns:a14="http://schemas.microsoft.com/office/drawing/2010/main" w="9525">
                   <a:solidFill>
                     <a:srgbClr val="000000"/>
                   </a:solidFill>
@@ -8254,7 +8254,7 @@
             </a:ln>
             <a:extLst>
               <a:ext uri="{91240B29-F687-4f45-9708-019B960494DF}">
-                <a14:hiddenLine xmlns:a14="http://schemas.microsoft.com/office/drawing/2010/main" xmlns="" w="9525">
+                <a14:hiddenLine xmlns="" xmlns:a14="http://schemas.microsoft.com/office/drawing/2010/main" w="9525">
                   <a:solidFill>
                     <a:srgbClr val="000000"/>
                   </a:solidFill>
@@ -8344,7 +8344,7 @@
             </a:ln>
             <a:extLst>
               <a:ext uri="{91240B29-F687-4f45-9708-019B960494DF}">
-                <a14:hiddenLine xmlns:a14="http://schemas.microsoft.com/office/drawing/2010/main" xmlns="" w="9525">
+                <a14:hiddenLine xmlns="" xmlns:a14="http://schemas.microsoft.com/office/drawing/2010/main" w="9525">
                   <a:solidFill>
                     <a:srgbClr val="000000"/>
                   </a:solidFill>
@@ -8406,7 +8406,7 @@
             </a:ln>
             <a:extLst>
               <a:ext uri="{91240B29-F687-4f45-9708-019B960494DF}">
-                <a14:hiddenLine xmlns:a14="http://schemas.microsoft.com/office/drawing/2010/main" xmlns="" w="9525">
+                <a14:hiddenLine xmlns="" xmlns:a14="http://schemas.microsoft.com/office/drawing/2010/main" w="9525">
                   <a:solidFill>
                     <a:srgbClr val="000000"/>
                   </a:solidFill>
@@ -8468,7 +8468,7 @@
             </a:ln>
             <a:extLst>
               <a:ext uri="{91240B29-F687-4f45-9708-019B960494DF}">
-                <a14:hiddenLine xmlns:a14="http://schemas.microsoft.com/office/drawing/2010/main" xmlns="" w="9525">
+                <a14:hiddenLine xmlns="" xmlns:a14="http://schemas.microsoft.com/office/drawing/2010/main" w="9525">
                   <a:solidFill>
                     <a:srgbClr val="000000"/>
                   </a:solidFill>
@@ -8558,7 +8558,7 @@
             </a:ln>
             <a:extLst>
               <a:ext uri="{91240B29-F687-4f45-9708-019B960494DF}">
-                <a14:hiddenLine xmlns:a14="http://schemas.microsoft.com/office/drawing/2010/main" xmlns="" w="9525">
+                <a14:hiddenLine xmlns="" xmlns:a14="http://schemas.microsoft.com/office/drawing/2010/main" w="9525">
                   <a:solidFill>
                     <a:srgbClr val="000000"/>
                   </a:solidFill>
@@ -8648,7 +8648,7 @@
             </a:ln>
             <a:extLst>
               <a:ext uri="{91240B29-F687-4f45-9708-019B960494DF}">
-                <a14:hiddenLine xmlns:a14="http://schemas.microsoft.com/office/drawing/2010/main" xmlns="" w="9525">
+                <a14:hiddenLine xmlns="" xmlns:a14="http://schemas.microsoft.com/office/drawing/2010/main" w="9525">
                   <a:solidFill>
                     <a:srgbClr val="000000"/>
                   </a:solidFill>
@@ -8710,7 +8710,7 @@
             </a:ln>
             <a:extLst>
               <a:ext uri="{91240B29-F687-4f45-9708-019B960494DF}">
-                <a14:hiddenLine xmlns:a14="http://schemas.microsoft.com/office/drawing/2010/main" xmlns="" w="9525">
+                <a14:hiddenLine xmlns="" xmlns:a14="http://schemas.microsoft.com/office/drawing/2010/main" w="9525">
                   <a:solidFill>
                     <a:srgbClr val="000000"/>
                   </a:solidFill>
@@ -8820,7 +8820,7 @@
             </a:ln>
             <a:extLst>
               <a:ext uri="{91240B29-F687-4f45-9708-019B960494DF}">
-                <a14:hiddenLine xmlns:a14="http://schemas.microsoft.com/office/drawing/2010/main" xmlns="" w="9525">
+                <a14:hiddenLine xmlns="" xmlns:a14="http://schemas.microsoft.com/office/drawing/2010/main" w="9525">
                   <a:solidFill>
                     <a:srgbClr val="000000"/>
                   </a:solidFill>
@@ -8882,7 +8882,7 @@
             </a:ln>
             <a:extLst>
               <a:ext uri="{91240B29-F687-4f45-9708-019B960494DF}">
-                <a14:hiddenLine xmlns:a14="http://schemas.microsoft.com/office/drawing/2010/main" xmlns="" w="9525">
+                <a14:hiddenLine xmlns="" xmlns:a14="http://schemas.microsoft.com/office/drawing/2010/main" w="9525">
                   <a:solidFill>
                     <a:srgbClr val="000000"/>
                   </a:solidFill>
@@ -8972,7 +8972,7 @@
             </a:ln>
             <a:extLst>
               <a:ext uri="{91240B29-F687-4f45-9708-019B960494DF}">
-                <a14:hiddenLine xmlns:a14="http://schemas.microsoft.com/office/drawing/2010/main" xmlns="" w="9525">
+                <a14:hiddenLine xmlns="" xmlns:a14="http://schemas.microsoft.com/office/drawing/2010/main" w="9525">
                   <a:solidFill>
                     <a:srgbClr val="000000"/>
                   </a:solidFill>
@@ -9062,7 +9062,7 @@
             </a:ln>
             <a:extLst>
               <a:ext uri="{91240B29-F687-4f45-9708-019B960494DF}">
-                <a14:hiddenLine xmlns:a14="http://schemas.microsoft.com/office/drawing/2010/main" xmlns="" w="9525">
+                <a14:hiddenLine xmlns="" xmlns:a14="http://schemas.microsoft.com/office/drawing/2010/main" w="9525">
                   <a:solidFill>
                     <a:srgbClr val="000000"/>
                   </a:solidFill>
@@ -9124,7 +9124,7 @@
             </a:ln>
             <a:extLst>
               <a:ext uri="{91240B29-F687-4f45-9708-019B960494DF}">
-                <a14:hiddenLine xmlns:a14="http://schemas.microsoft.com/office/drawing/2010/main" xmlns="" w="9525">
+                <a14:hiddenLine xmlns="" xmlns:a14="http://schemas.microsoft.com/office/drawing/2010/main" w="9525">
                   <a:solidFill>
                     <a:srgbClr val="000000"/>
                   </a:solidFill>
@@ -9214,7 +9214,7 @@
             </a:ln>
             <a:extLst>
               <a:ext uri="{91240B29-F687-4f45-9708-019B960494DF}">
-                <a14:hiddenLine xmlns:a14="http://schemas.microsoft.com/office/drawing/2010/main" xmlns="" w="9525">
+                <a14:hiddenLine xmlns="" xmlns:a14="http://schemas.microsoft.com/office/drawing/2010/main" w="9525">
                   <a:solidFill>
                     <a:srgbClr val="000000"/>
                   </a:solidFill>
@@ -9304,7 +9304,7 @@
             </a:ln>
             <a:extLst>
               <a:ext uri="{91240B29-F687-4f45-9708-019B960494DF}">
-                <a14:hiddenLine xmlns:a14="http://schemas.microsoft.com/office/drawing/2010/main" xmlns="" w="9525">
+                <a14:hiddenLine xmlns="" xmlns:a14="http://schemas.microsoft.com/office/drawing/2010/main" w="9525">
                   <a:solidFill>
                     <a:srgbClr val="000000"/>
                   </a:solidFill>
@@ -9360,7 +9360,7 @@
             </a:ln>
             <a:extLst>
               <a:ext uri="{91240B29-F687-4f45-9708-019B960494DF}">
-                <a14:hiddenLine xmlns:a14="http://schemas.microsoft.com/office/drawing/2010/main" xmlns="" w="9525">
+                <a14:hiddenLine xmlns="" xmlns:a14="http://schemas.microsoft.com/office/drawing/2010/main" w="9525">
                   <a:solidFill>
                     <a:srgbClr val="000000"/>
                   </a:solidFill>
@@ -9450,7 +9450,7 @@
             </a:ln>
             <a:extLst>
               <a:ext uri="{91240B29-F687-4f45-9708-019B960494DF}">
-                <a14:hiddenLine xmlns:a14="http://schemas.microsoft.com/office/drawing/2010/main" xmlns="" w="9525">
+                <a14:hiddenLine xmlns="" xmlns:a14="http://schemas.microsoft.com/office/drawing/2010/main" w="9525">
                   <a:solidFill>
                     <a:srgbClr val="000000"/>
                   </a:solidFill>
@@ -9506,7 +9506,7 @@
             </a:ln>
             <a:extLst>
               <a:ext uri="{91240B29-F687-4f45-9708-019B960494DF}">
-                <a14:hiddenLine xmlns:a14="http://schemas.microsoft.com/office/drawing/2010/main" xmlns="" w="9525">
+                <a14:hiddenLine xmlns="" xmlns:a14="http://schemas.microsoft.com/office/drawing/2010/main" w="9525">
                   <a:solidFill>
                     <a:srgbClr val="000000"/>
                   </a:solidFill>
@@ -9596,7 +9596,7 @@
             </a:ln>
             <a:extLst>
               <a:ext uri="{91240B29-F687-4f45-9708-019B960494DF}">
-                <a14:hiddenLine xmlns:a14="http://schemas.microsoft.com/office/drawing/2010/main" xmlns="" w="9525">
+                <a14:hiddenLine xmlns="" xmlns:a14="http://schemas.microsoft.com/office/drawing/2010/main" w="9525">
                   <a:solidFill>
                     <a:srgbClr val="000000"/>
                   </a:solidFill>
@@ -9664,7 +9664,7 @@
             </a:ln>
             <a:extLst>
               <a:ext uri="{91240B29-F687-4f45-9708-019B960494DF}">
-                <a14:hiddenLine xmlns:a14="http://schemas.microsoft.com/office/drawing/2010/main" xmlns="" w="9525">
+                <a14:hiddenLine xmlns="" xmlns:a14="http://schemas.microsoft.com/office/drawing/2010/main" w="9525">
                   <a:solidFill>
                     <a:srgbClr val="000000"/>
                   </a:solidFill>
@@ -9754,7 +9754,7 @@
             </a:ln>
             <a:extLst>
               <a:ext uri="{91240B29-F687-4f45-9708-019B960494DF}">
-                <a14:hiddenLine xmlns:a14="http://schemas.microsoft.com/office/drawing/2010/main" xmlns="" w="9525">
+                <a14:hiddenLine xmlns="" xmlns:a14="http://schemas.microsoft.com/office/drawing/2010/main" w="9525">
                   <a:solidFill>
                     <a:srgbClr val="000000"/>
                   </a:solidFill>
@@ -9822,7 +9822,7 @@
             </a:ln>
             <a:extLst>
               <a:ext uri="{91240B29-F687-4f45-9708-019B960494DF}">
-                <a14:hiddenLine xmlns:a14="http://schemas.microsoft.com/office/drawing/2010/main" xmlns="" w="9525">
+                <a14:hiddenLine xmlns="" xmlns:a14="http://schemas.microsoft.com/office/drawing/2010/main" w="9525">
                   <a:solidFill>
                     <a:srgbClr val="000000"/>
                   </a:solidFill>
@@ -9912,7 +9912,7 @@
             </a:ln>
             <a:extLst>
               <a:ext uri="{91240B29-F687-4f45-9708-019B960494DF}">
-                <a14:hiddenLine xmlns:a14="http://schemas.microsoft.com/office/drawing/2010/main" xmlns="" w="9525">
+                <a14:hiddenLine xmlns="" xmlns:a14="http://schemas.microsoft.com/office/drawing/2010/main" w="9525">
                   <a:solidFill>
                     <a:srgbClr val="000000"/>
                   </a:solidFill>
@@ -9946,7 +9946,7 @@
             </a:ln>
             <a:extLst>
               <a:ext uri="{91240B29-F687-4f45-9708-019B960494DF}">
-                <a14:hiddenLine xmlns:a14="http://schemas.microsoft.com/office/drawing/2010/main" xmlns="" w="9525">
+                <a14:hiddenLine xmlns="" xmlns:a14="http://schemas.microsoft.com/office/drawing/2010/main" w="9525">
                   <a:solidFill>
                     <a:srgbClr val="000000"/>
                   </a:solidFill>
@@ -10036,7 +10036,7 @@
             </a:ln>
             <a:extLst>
               <a:ext uri="{91240B29-F687-4f45-9708-019B960494DF}">
-                <a14:hiddenLine xmlns:a14="http://schemas.microsoft.com/office/drawing/2010/main" xmlns="" w="9525">
+                <a14:hiddenLine xmlns="" xmlns:a14="http://schemas.microsoft.com/office/drawing/2010/main" w="9525">
                   <a:solidFill>
                     <a:srgbClr val="000000"/>
                   </a:solidFill>
@@ -10098,7 +10098,7 @@
             </a:ln>
             <a:extLst>
               <a:ext uri="{91240B29-F687-4f45-9708-019B960494DF}">
-                <a14:hiddenLine xmlns:a14="http://schemas.microsoft.com/office/drawing/2010/main" xmlns="" w="9525">
+                <a14:hiddenLine xmlns="" xmlns:a14="http://schemas.microsoft.com/office/drawing/2010/main" w="9525">
                   <a:solidFill>
                     <a:srgbClr val="000000"/>
                   </a:solidFill>
@@ -10160,7 +10160,7 @@
             </a:ln>
             <a:extLst>
               <a:ext uri="{91240B29-F687-4f45-9708-019B960494DF}">
-                <a14:hiddenLine xmlns:a14="http://schemas.microsoft.com/office/drawing/2010/main" xmlns="" w="9525">
+                <a14:hiddenLine xmlns="" xmlns:a14="http://schemas.microsoft.com/office/drawing/2010/main" w="9525">
                   <a:solidFill>
                     <a:srgbClr val="000000"/>
                   </a:solidFill>
@@ -10250,7 +10250,7 @@
             </a:ln>
             <a:extLst>
               <a:ext uri="{91240B29-F687-4f45-9708-019B960494DF}">
-                <a14:hiddenLine xmlns:a14="http://schemas.microsoft.com/office/drawing/2010/main" xmlns="" w="9525">
+                <a14:hiddenLine xmlns="" xmlns:a14="http://schemas.microsoft.com/office/drawing/2010/main" w="9525">
                   <a:solidFill>
                     <a:srgbClr val="000000"/>
                   </a:solidFill>
@@ -10318,7 +10318,7 @@
             </a:ln>
             <a:extLst>
               <a:ext uri="{91240B29-F687-4f45-9708-019B960494DF}">
-                <a14:hiddenLine xmlns:a14="http://schemas.microsoft.com/office/drawing/2010/main" xmlns="" w="9525">
+                <a14:hiddenLine xmlns="" xmlns:a14="http://schemas.microsoft.com/office/drawing/2010/main" w="9525">
                   <a:solidFill>
                     <a:srgbClr val="000000"/>
                   </a:solidFill>
@@ -10380,7 +10380,7 @@
             </a:ln>
             <a:extLst>
               <a:ext uri="{91240B29-F687-4f45-9708-019B960494DF}">
-                <a14:hiddenLine xmlns:a14="http://schemas.microsoft.com/office/drawing/2010/main" xmlns="" w="9525">
+                <a14:hiddenLine xmlns="" xmlns:a14="http://schemas.microsoft.com/office/drawing/2010/main" w="9525">
                   <a:solidFill>
                     <a:srgbClr val="000000"/>
                   </a:solidFill>
@@ -10470,7 +10470,7 @@
             </a:ln>
             <a:extLst>
               <a:ext uri="{91240B29-F687-4f45-9708-019B960494DF}">
-                <a14:hiddenLine xmlns:a14="http://schemas.microsoft.com/office/drawing/2010/main" xmlns="" w="9525">
+                <a14:hiddenLine xmlns="" xmlns:a14="http://schemas.microsoft.com/office/drawing/2010/main" w="9525">
                   <a:solidFill>
                     <a:srgbClr val="000000"/>
                   </a:solidFill>
@@ -10532,7 +10532,7 @@
             </a:ln>
             <a:extLst>
               <a:ext uri="{91240B29-F687-4f45-9708-019B960494DF}">
-                <a14:hiddenLine xmlns:a14="http://schemas.microsoft.com/office/drawing/2010/main" xmlns="" w="9525">
+                <a14:hiddenLine xmlns="" xmlns:a14="http://schemas.microsoft.com/office/drawing/2010/main" w="9525">
                   <a:solidFill>
                     <a:srgbClr val="000000"/>
                   </a:solidFill>
@@ -10622,7 +10622,7 @@
             </a:ln>
             <a:extLst>
               <a:ext uri="{91240B29-F687-4f45-9708-019B960494DF}">
-                <a14:hiddenLine xmlns:a14="http://schemas.microsoft.com/office/drawing/2010/main" xmlns="" w="9525">
+                <a14:hiddenLine xmlns="" xmlns:a14="http://schemas.microsoft.com/office/drawing/2010/main" w="9525">
                   <a:solidFill>
                     <a:srgbClr val="000000"/>
                   </a:solidFill>
@@ -10684,7 +10684,7 @@
             </a:ln>
             <a:extLst>
               <a:ext uri="{91240B29-F687-4f45-9708-019B960494DF}">
-                <a14:hiddenLine xmlns:a14="http://schemas.microsoft.com/office/drawing/2010/main" xmlns="" w="9525">
+                <a14:hiddenLine xmlns="" xmlns:a14="http://schemas.microsoft.com/office/drawing/2010/main" w="9525">
                   <a:solidFill>
                     <a:srgbClr val="000000"/>
                   </a:solidFill>
@@ -10774,7 +10774,7 @@
             </a:ln>
             <a:extLst>
               <a:ext uri="{91240B29-F687-4f45-9708-019B960494DF}">
-                <a14:hiddenLine xmlns:a14="http://schemas.microsoft.com/office/drawing/2010/main" xmlns="" w="9525">
+                <a14:hiddenLine xmlns="" xmlns:a14="http://schemas.microsoft.com/office/drawing/2010/main" w="9525">
                   <a:solidFill>
                     <a:srgbClr val="000000"/>
                   </a:solidFill>
@@ -10808,7 +10808,7 @@
             </a:ln>
             <a:extLst>
               <a:ext uri="{91240B29-F687-4f45-9708-019B960494DF}">
-                <a14:hiddenLine xmlns:a14="http://schemas.microsoft.com/office/drawing/2010/main" xmlns="" w="9525">
+                <a14:hiddenLine xmlns="" xmlns:a14="http://schemas.microsoft.com/office/drawing/2010/main" w="9525">
                   <a:solidFill>
                     <a:srgbClr val="000000"/>
                   </a:solidFill>
@@ -10873,7 +10873,7 @@
             </a:ln>
             <a:extLst>
               <a:ext uri="{91240B29-F687-4f45-9708-019B960494DF}">
-                <a14:hiddenLine xmlns:a14="http://schemas.microsoft.com/office/drawing/2010/main" xmlns="" w="9525">
+                <a14:hiddenLine xmlns="" xmlns:a14="http://schemas.microsoft.com/office/drawing/2010/main" w="9525">
                   <a:solidFill>
                     <a:srgbClr val="000000"/>
                   </a:solidFill>
@@ -10963,7 +10963,7 @@
             </a:ln>
             <a:extLst>
               <a:ext uri="{91240B29-F687-4f45-9708-019B960494DF}">
-                <a14:hiddenLine xmlns:a14="http://schemas.microsoft.com/office/drawing/2010/main" xmlns="" w="9525">
+                <a14:hiddenLine xmlns="" xmlns:a14="http://schemas.microsoft.com/office/drawing/2010/main" w="9525">
                   <a:solidFill>
                     <a:srgbClr val="000000"/>
                   </a:solidFill>
@@ -11025,7 +11025,7 @@
             </a:ln>
             <a:extLst>
               <a:ext uri="{91240B29-F687-4f45-9708-019B960494DF}">
-                <a14:hiddenLine xmlns:a14="http://schemas.microsoft.com/office/drawing/2010/main" xmlns="" w="9525">
+                <a14:hiddenLine xmlns="" xmlns:a14="http://schemas.microsoft.com/office/drawing/2010/main" w="9525">
                   <a:solidFill>
                     <a:srgbClr val="000000"/>
                   </a:solidFill>
@@ -11115,7 +11115,7 @@
             </a:ln>
             <a:extLst>
               <a:ext uri="{91240B29-F687-4f45-9708-019B960494DF}">
-                <a14:hiddenLine xmlns:a14="http://schemas.microsoft.com/office/drawing/2010/main" xmlns="" w="9525">
+                <a14:hiddenLine xmlns="" xmlns:a14="http://schemas.microsoft.com/office/drawing/2010/main" w="9525">
                   <a:solidFill>
                     <a:srgbClr val="000000"/>
                   </a:solidFill>
@@ -11205,7 +11205,7 @@
             </a:ln>
             <a:extLst>
               <a:ext uri="{91240B29-F687-4f45-9708-019B960494DF}">
-                <a14:hiddenLine xmlns:a14="http://schemas.microsoft.com/office/drawing/2010/main" xmlns="" w="9525">
+                <a14:hiddenLine xmlns="" xmlns:a14="http://schemas.microsoft.com/office/drawing/2010/main" w="9525">
                   <a:solidFill>
                     <a:srgbClr val="000000"/>
                   </a:solidFill>
@@ -11270,7 +11270,7 @@
             </a:ln>
             <a:extLst>
               <a:ext uri="{91240B29-F687-4f45-9708-019B960494DF}">
-                <a14:hiddenLine xmlns:a14="http://schemas.microsoft.com/office/drawing/2010/main" xmlns="" w="9525">
+                <a14:hiddenLine xmlns="" xmlns:a14="http://schemas.microsoft.com/office/drawing/2010/main" w="9525">
                   <a:solidFill>
                     <a:srgbClr val="000000"/>
                   </a:solidFill>
@@ -11332,7 +11332,7 @@
             </a:ln>
             <a:extLst>
               <a:ext uri="{91240B29-F687-4f45-9708-019B960494DF}">
-                <a14:hiddenLine xmlns:a14="http://schemas.microsoft.com/office/drawing/2010/main" xmlns="" w="9525">
+                <a14:hiddenLine xmlns="" xmlns:a14="http://schemas.microsoft.com/office/drawing/2010/main" w="9525">
                   <a:solidFill>
                     <a:srgbClr val="000000"/>
                   </a:solidFill>
@@ -11422,7 +11422,7 @@
             </a:ln>
             <a:extLst>
               <a:ext uri="{91240B29-F687-4f45-9708-019B960494DF}">
-                <a14:hiddenLine xmlns:a14="http://schemas.microsoft.com/office/drawing/2010/main" xmlns="" w="9525">
+                <a14:hiddenLine xmlns="" xmlns:a14="http://schemas.microsoft.com/office/drawing/2010/main" w="9525">
                   <a:solidFill>
                     <a:srgbClr val="000000"/>
                   </a:solidFill>
@@ -11512,7 +11512,7 @@
             </a:ln>
             <a:extLst>
               <a:ext uri="{91240B29-F687-4f45-9708-019B960494DF}">
-                <a14:hiddenLine xmlns:a14="http://schemas.microsoft.com/office/drawing/2010/main" xmlns="" w="9525">
+                <a14:hiddenLine xmlns="" xmlns:a14="http://schemas.microsoft.com/office/drawing/2010/main" w="9525">
                   <a:solidFill>
                     <a:srgbClr val="000000"/>
                   </a:solidFill>
@@ -11574,7 +11574,7 @@
             </a:ln>
             <a:extLst>
               <a:ext uri="{91240B29-F687-4f45-9708-019B960494DF}">
-                <a14:hiddenLine xmlns:a14="http://schemas.microsoft.com/office/drawing/2010/main" xmlns="" w="9525">
+                <a14:hiddenLine xmlns="" xmlns:a14="http://schemas.microsoft.com/office/drawing/2010/main" w="9525">
                   <a:solidFill>
                     <a:srgbClr val="000000"/>
                   </a:solidFill>
@@ -11694,7 +11694,7 @@
             </a:ln>
             <a:extLst>
               <a:ext uri="{91240B29-F687-4f45-9708-019B960494DF}">
-                <a14:hiddenLine xmlns:a14="http://schemas.microsoft.com/office/drawing/2010/main" xmlns="" w="9525">
+                <a14:hiddenLine xmlns="" xmlns:a14="http://schemas.microsoft.com/office/drawing/2010/main" w="9525">
                   <a:solidFill>
                     <a:srgbClr val="000000"/>
                   </a:solidFill>
@@ -11762,7 +11762,7 @@
             </a:ln>
             <a:extLst>
               <a:ext uri="{91240B29-F687-4f45-9708-019B960494DF}">
-                <a14:hiddenLine xmlns:a14="http://schemas.microsoft.com/office/drawing/2010/main" xmlns="" w="9525">
+                <a14:hiddenLine xmlns="" xmlns:a14="http://schemas.microsoft.com/office/drawing/2010/main" w="9525">
                   <a:solidFill>
                     <a:srgbClr val="000000"/>
                   </a:solidFill>
@@ -11852,7 +11852,7 @@
             </a:ln>
             <a:extLst>
               <a:ext uri="{91240B29-F687-4f45-9708-019B960494DF}">
-                <a14:hiddenLine xmlns:a14="http://schemas.microsoft.com/office/drawing/2010/main" xmlns="" w="9525">
+                <a14:hiddenLine xmlns="" xmlns:a14="http://schemas.microsoft.com/office/drawing/2010/main" w="9525">
                   <a:solidFill>
                     <a:srgbClr val="000000"/>
                   </a:solidFill>
@@ -11992,7 +11992,7 @@
           <a:p>
             <a:fld id="{B76943AF-B946-47F7-8510-2C710F5C29B5}" type="datetimeFigureOut">
               <a:rPr lang="en-US" smtClean="0"/>
-              <a:t>6/9/2018</a:t>
+              <a:t>7/30/2018</a:t>
             </a:fld>
             <a:endParaRPr lang="en-US" dirty="0"/>
           </a:p>
@@ -12258,7 +12258,7 @@
           <a:p>
             <a:fld id="{B76943AF-B946-47F7-8510-2C710F5C29B5}" type="datetimeFigureOut">
               <a:rPr lang="en-US" smtClean="0"/>
-              <a:t>6/9/2018</a:t>
+              <a:t>7/30/2018</a:t>
             </a:fld>
             <a:endParaRPr lang="en-US" dirty="0"/>
           </a:p>
@@ -12454,7 +12454,7 @@
           <a:p>
             <a:fld id="{B76943AF-B946-47F7-8510-2C710F5C29B5}" type="datetimeFigureOut">
               <a:rPr lang="en-US" smtClean="0"/>
-              <a:t>6/9/2018</a:t>
+              <a:t>7/30/2018</a:t>
             </a:fld>
             <a:endParaRPr lang="en-US" dirty="0"/>
           </a:p>
@@ -12717,7 +12717,7 @@
           <a:p>
             <a:fld id="{B76943AF-B946-47F7-8510-2C710F5C29B5}" type="datetimeFigureOut">
               <a:rPr lang="en-US" smtClean="0"/>
-              <a:t>6/9/2018</a:t>
+              <a:t>7/30/2018</a:t>
             </a:fld>
             <a:endParaRPr lang="en-US" dirty="0"/>
           </a:p>
@@ -13241,7 +13241,7 @@
           <a:p>
             <a:fld id="{B76943AF-B946-47F7-8510-2C710F5C29B5}" type="datetimeFigureOut">
               <a:rPr lang="en-US" smtClean="0"/>
-              <a:t>6/9/2018</a:t>
+              <a:t>7/30/2018</a:t>
             </a:fld>
             <a:endParaRPr lang="en-US" dirty="0"/>
           </a:p>
@@ -13787,7 +13787,7 @@
           <a:p>
             <a:fld id="{B76943AF-B946-47F7-8510-2C710F5C29B5}" type="datetimeFigureOut">
               <a:rPr lang="en-US" smtClean="0"/>
-              <a:t>6/9/2018</a:t>
+              <a:t>7/30/2018</a:t>
             </a:fld>
             <a:endParaRPr lang="en-US" dirty="0"/>
           </a:p>
@@ -14504,7 +14504,7 @@
           <a:p>
             <a:fld id="{B76943AF-B946-47F7-8510-2C710F5C29B5}" type="datetimeFigureOut">
               <a:rPr lang="en-US" smtClean="0"/>
-              <a:t>6/9/2018</a:t>
+              <a:t>7/30/2018</a:t>
             </a:fld>
             <a:endParaRPr lang="en-US" dirty="0"/>
           </a:p>
@@ -14674,7 +14674,7 @@
           <a:p>
             <a:fld id="{B76943AF-B946-47F7-8510-2C710F5C29B5}" type="datetimeFigureOut">
               <a:rPr lang="en-US" smtClean="0"/>
-              <a:t>6/9/2018</a:t>
+              <a:t>7/30/2018</a:t>
             </a:fld>
             <a:endParaRPr lang="en-US" dirty="0"/>
           </a:p>
@@ -14854,7 +14854,7 @@
           <a:p>
             <a:fld id="{B76943AF-B946-47F7-8510-2C710F5C29B5}" type="datetimeFigureOut">
               <a:rPr lang="en-US" smtClean="0"/>
-              <a:t>6/9/2018</a:t>
+              <a:t>7/30/2018</a:t>
             </a:fld>
             <a:endParaRPr lang="en-US" dirty="0"/>
           </a:p>
@@ -15024,7 +15024,7 @@
           <a:p>
             <a:fld id="{B76943AF-B946-47F7-8510-2C710F5C29B5}" type="datetimeFigureOut">
               <a:rPr lang="en-US" smtClean="0"/>
-              <a:t>6/9/2018</a:t>
+              <a:t>7/30/2018</a:t>
             </a:fld>
             <a:endParaRPr lang="en-US" dirty="0"/>
           </a:p>
@@ -15364,7 +15364,7 @@
           <a:p>
             <a:fld id="{B76943AF-B946-47F7-8510-2C710F5C29B5}" type="datetimeFigureOut">
               <a:rPr lang="en-US" smtClean="0"/>
-              <a:t>6/9/2018</a:t>
+              <a:t>7/30/2018</a:t>
             </a:fld>
             <a:endParaRPr lang="en-US" dirty="0"/>
           </a:p>
@@ -15596,7 +15596,7 @@
           <a:p>
             <a:fld id="{B76943AF-B946-47F7-8510-2C710F5C29B5}" type="datetimeFigureOut">
               <a:rPr lang="en-US" smtClean="0"/>
-              <a:t>6/9/2018</a:t>
+              <a:t>7/30/2018</a:t>
             </a:fld>
             <a:endParaRPr lang="en-US" dirty="0"/>
           </a:p>
@@ -15977,7 +15977,7 @@
           <a:p>
             <a:fld id="{B76943AF-B946-47F7-8510-2C710F5C29B5}" type="datetimeFigureOut">
               <a:rPr lang="en-US" smtClean="0"/>
-              <a:t>6/9/2018</a:t>
+              <a:t>7/30/2018</a:t>
             </a:fld>
             <a:endParaRPr lang="en-US" dirty="0"/>
           </a:p>
@@ -16095,7 +16095,7 @@
           <a:p>
             <a:fld id="{B76943AF-B946-47F7-8510-2C710F5C29B5}" type="datetimeFigureOut">
               <a:rPr lang="en-US" smtClean="0"/>
-              <a:t>6/9/2018</a:t>
+              <a:t>7/30/2018</a:t>
             </a:fld>
             <a:endParaRPr lang="en-US" dirty="0"/>
           </a:p>
@@ -16190,7 +16190,7 @@
           <a:p>
             <a:fld id="{B76943AF-B946-47F7-8510-2C710F5C29B5}" type="datetimeFigureOut">
               <a:rPr lang="en-US" smtClean="0"/>
-              <a:t>6/9/2018</a:t>
+              <a:t>7/30/2018</a:t>
             </a:fld>
             <a:endParaRPr lang="en-US" dirty="0"/>
           </a:p>
@@ -16439,7 +16439,7 @@
           <a:p>
             <a:fld id="{B76943AF-B946-47F7-8510-2C710F5C29B5}" type="datetimeFigureOut">
               <a:rPr lang="en-US" smtClean="0"/>
-              <a:t>6/9/2018</a:t>
+              <a:t>7/30/2018</a:t>
             </a:fld>
             <a:endParaRPr lang="en-US" dirty="0"/>
           </a:p>
@@ -16718,7 +16718,7 @@
           <a:p>
             <a:fld id="{B76943AF-B946-47F7-8510-2C710F5C29B5}" type="datetimeFigureOut">
               <a:rPr lang="en-US" smtClean="0"/>
-              <a:t>6/9/2018</a:t>
+              <a:t>7/30/2018</a:t>
             </a:fld>
             <a:endParaRPr lang="en-US" dirty="0"/>
           </a:p>
@@ -16877,7 +16877,7 @@
               </a:ln>
               <a:extLst>
                 <a:ext uri="{91240B29-F687-4f45-9708-019B960494DF}">
-                  <a14:hiddenLine xmlns:a14="http://schemas.microsoft.com/office/drawing/2010/main" xmlns="" w="9525">
+                  <a14:hiddenLine xmlns="" xmlns:a14="http://schemas.microsoft.com/office/drawing/2010/main" w="9525">
                     <a:solidFill>
                       <a:srgbClr val="000000"/>
                     </a:solidFill>
@@ -16967,7 +16967,7 @@
               </a:ln>
               <a:extLst>
                 <a:ext uri="{91240B29-F687-4f45-9708-019B960494DF}">
-                  <a14:hiddenLine xmlns:a14="http://schemas.microsoft.com/office/drawing/2010/main" xmlns="" w="9525">
+                  <a14:hiddenLine xmlns="" xmlns:a14="http://schemas.microsoft.com/office/drawing/2010/main" w="9525">
                     <a:solidFill>
                       <a:srgbClr val="000000"/>
                     </a:solidFill>
@@ -17057,7 +17057,7 @@
               </a:ln>
               <a:extLst>
                 <a:ext uri="{91240B29-F687-4f45-9708-019B960494DF}">
-                  <a14:hiddenLine xmlns:a14="http://schemas.microsoft.com/office/drawing/2010/main" xmlns="" w="9525">
+                  <a14:hiddenLine xmlns="" xmlns:a14="http://schemas.microsoft.com/office/drawing/2010/main" w="9525">
                     <a:solidFill>
                       <a:srgbClr val="000000"/>
                     </a:solidFill>
@@ -17119,7 +17119,7 @@
               </a:ln>
               <a:extLst>
                 <a:ext uri="{91240B29-F687-4f45-9708-019B960494DF}">
-                  <a14:hiddenLine xmlns:a14="http://schemas.microsoft.com/office/drawing/2010/main" xmlns="" w="9525">
+                  <a14:hiddenLine xmlns="" xmlns:a14="http://schemas.microsoft.com/office/drawing/2010/main" w="9525">
                     <a:solidFill>
                       <a:srgbClr val="000000"/>
                     </a:solidFill>
@@ -17209,7 +17209,7 @@
               </a:ln>
               <a:extLst>
                 <a:ext uri="{91240B29-F687-4f45-9708-019B960494DF}">
-                  <a14:hiddenLine xmlns:a14="http://schemas.microsoft.com/office/drawing/2010/main" xmlns="" w="9525">
+                  <a14:hiddenLine xmlns="" xmlns:a14="http://schemas.microsoft.com/office/drawing/2010/main" w="9525">
                     <a:solidFill>
                       <a:srgbClr val="000000"/>
                     </a:solidFill>
@@ -17271,7 +17271,7 @@
               </a:ln>
               <a:extLst>
                 <a:ext uri="{91240B29-F687-4f45-9708-019B960494DF}">
-                  <a14:hiddenLine xmlns:a14="http://schemas.microsoft.com/office/drawing/2010/main" xmlns="" w="9525">
+                  <a14:hiddenLine xmlns="" xmlns:a14="http://schemas.microsoft.com/office/drawing/2010/main" w="9525">
                     <a:solidFill>
                       <a:srgbClr val="000000"/>
                     </a:solidFill>
@@ -17333,7 +17333,7 @@
               </a:ln>
               <a:extLst>
                 <a:ext uri="{91240B29-F687-4f45-9708-019B960494DF}">
-                  <a14:hiddenLine xmlns:a14="http://schemas.microsoft.com/office/drawing/2010/main" xmlns="" w="9525">
+                  <a14:hiddenLine xmlns="" xmlns:a14="http://schemas.microsoft.com/office/drawing/2010/main" w="9525">
                     <a:solidFill>
                       <a:srgbClr val="000000"/>
                     </a:solidFill>
@@ -17423,7 +17423,7 @@
               </a:ln>
               <a:extLst>
                 <a:ext uri="{91240B29-F687-4f45-9708-019B960494DF}">
-                  <a14:hiddenLine xmlns:a14="http://schemas.microsoft.com/office/drawing/2010/main" xmlns="" w="9525">
+                  <a14:hiddenLine xmlns="" xmlns:a14="http://schemas.microsoft.com/office/drawing/2010/main" w="9525">
                     <a:solidFill>
                       <a:srgbClr val="000000"/>
                     </a:solidFill>
@@ -17513,7 +17513,7 @@
               </a:ln>
               <a:extLst>
                 <a:ext uri="{91240B29-F687-4f45-9708-019B960494DF}">
-                  <a14:hiddenLine xmlns:a14="http://schemas.microsoft.com/office/drawing/2010/main" xmlns="" w="9525">
+                  <a14:hiddenLine xmlns="" xmlns:a14="http://schemas.microsoft.com/office/drawing/2010/main" w="9525">
                     <a:solidFill>
                       <a:srgbClr val="000000"/>
                     </a:solidFill>
@@ -17575,7 +17575,7 @@
               </a:ln>
               <a:extLst>
                 <a:ext uri="{91240B29-F687-4f45-9708-019B960494DF}">
-                  <a14:hiddenLine xmlns:a14="http://schemas.microsoft.com/office/drawing/2010/main" xmlns="" w="9525">
+                  <a14:hiddenLine xmlns="" xmlns:a14="http://schemas.microsoft.com/office/drawing/2010/main" w="9525">
                     <a:solidFill>
                       <a:srgbClr val="000000"/>
                     </a:solidFill>
@@ -17685,7 +17685,7 @@
               </a:ln>
               <a:extLst>
                 <a:ext uri="{91240B29-F687-4f45-9708-019B960494DF}">
-                  <a14:hiddenLine xmlns:a14="http://schemas.microsoft.com/office/drawing/2010/main" xmlns="" w="9525">
+                  <a14:hiddenLine xmlns="" xmlns:a14="http://schemas.microsoft.com/office/drawing/2010/main" w="9525">
                     <a:solidFill>
                       <a:srgbClr val="000000"/>
                     </a:solidFill>
@@ -17769,7 +17769,7 @@
               </a:ln>
               <a:extLst>
                 <a:ext uri="{91240B29-F687-4f45-9708-019B960494DF}">
-                  <a14:hiddenLine xmlns:a14="http://schemas.microsoft.com/office/drawing/2010/main" xmlns="" w="9525">
+                  <a14:hiddenLine xmlns="" xmlns:a14="http://schemas.microsoft.com/office/drawing/2010/main" w="9525">
                     <a:solidFill>
                       <a:srgbClr val="000000"/>
                     </a:solidFill>
@@ -17831,7 +17831,7 @@
               </a:ln>
               <a:extLst>
                 <a:ext uri="{91240B29-F687-4f45-9708-019B960494DF}">
-                  <a14:hiddenLine xmlns:a14="http://schemas.microsoft.com/office/drawing/2010/main" xmlns="" w="9525">
+                  <a14:hiddenLine xmlns="" xmlns:a14="http://schemas.microsoft.com/office/drawing/2010/main" w="9525">
                     <a:solidFill>
                       <a:srgbClr val="000000"/>
                     </a:solidFill>
@@ -17893,7 +17893,7 @@
               </a:ln>
               <a:extLst>
                 <a:ext uri="{91240B29-F687-4f45-9708-019B960494DF}">
-                  <a14:hiddenLine xmlns:a14="http://schemas.microsoft.com/office/drawing/2010/main" xmlns="" w="9525">
+                  <a14:hiddenLine xmlns="" xmlns:a14="http://schemas.microsoft.com/office/drawing/2010/main" w="9525">
                     <a:solidFill>
                       <a:srgbClr val="000000"/>
                     </a:solidFill>
@@ -17983,7 +17983,7 @@
               </a:ln>
               <a:extLst>
                 <a:ext uri="{91240B29-F687-4f45-9708-019B960494DF}">
-                  <a14:hiddenLine xmlns:a14="http://schemas.microsoft.com/office/drawing/2010/main" xmlns="" w="9525">
+                  <a14:hiddenLine xmlns="" xmlns:a14="http://schemas.microsoft.com/office/drawing/2010/main" w="9525">
                     <a:solidFill>
                       <a:srgbClr val="000000"/>
                     </a:solidFill>
@@ -18017,7 +18017,7 @@
               </a:ln>
               <a:extLst>
                 <a:ext uri="{91240B29-F687-4f45-9708-019B960494DF}">
-                  <a14:hiddenLine xmlns:a14="http://schemas.microsoft.com/office/drawing/2010/main" xmlns="" w="9525">
+                  <a14:hiddenLine xmlns="" xmlns:a14="http://schemas.microsoft.com/office/drawing/2010/main" w="9525">
                     <a:solidFill>
                       <a:srgbClr val="000000"/>
                     </a:solidFill>
@@ -18082,7 +18082,7 @@
               </a:ln>
               <a:extLst>
                 <a:ext uri="{91240B29-F687-4f45-9708-019B960494DF}">
-                  <a14:hiddenLine xmlns:a14="http://schemas.microsoft.com/office/drawing/2010/main" xmlns="" w="9525">
+                  <a14:hiddenLine xmlns="" xmlns:a14="http://schemas.microsoft.com/office/drawing/2010/main" w="9525">
                     <a:solidFill>
                       <a:srgbClr val="000000"/>
                     </a:solidFill>
@@ -18172,7 +18172,7 @@
               </a:ln>
               <a:extLst>
                 <a:ext uri="{91240B29-F687-4f45-9708-019B960494DF}">
-                  <a14:hiddenLine xmlns:a14="http://schemas.microsoft.com/office/drawing/2010/main" xmlns="" w="9525">
+                  <a14:hiddenLine xmlns="" xmlns:a14="http://schemas.microsoft.com/office/drawing/2010/main" w="9525">
                     <a:solidFill>
                       <a:srgbClr val="000000"/>
                     </a:solidFill>
@@ -18234,7 +18234,7 @@
               </a:ln>
               <a:extLst>
                 <a:ext uri="{91240B29-F687-4f45-9708-019B960494DF}">
-                  <a14:hiddenLine xmlns:a14="http://schemas.microsoft.com/office/drawing/2010/main" xmlns="" w="9525">
+                  <a14:hiddenLine xmlns="" xmlns:a14="http://schemas.microsoft.com/office/drawing/2010/main" w="9525">
                     <a:solidFill>
                       <a:srgbClr val="000000"/>
                     </a:solidFill>
@@ -18324,7 +18324,7 @@
               </a:ln>
               <a:extLst>
                 <a:ext uri="{91240B29-F687-4f45-9708-019B960494DF}">
-                  <a14:hiddenLine xmlns:a14="http://schemas.microsoft.com/office/drawing/2010/main" xmlns="" w="9525">
+                  <a14:hiddenLine xmlns="" xmlns:a14="http://schemas.microsoft.com/office/drawing/2010/main" w="9525">
                     <a:solidFill>
                       <a:srgbClr val="000000"/>
                     </a:solidFill>
@@ -18389,7 +18389,7 @@
               </a:ln>
               <a:extLst>
                 <a:ext uri="{91240B29-F687-4f45-9708-019B960494DF}">
-                  <a14:hiddenLine xmlns:a14="http://schemas.microsoft.com/office/drawing/2010/main" xmlns="" w="9525">
+                  <a14:hiddenLine xmlns="" xmlns:a14="http://schemas.microsoft.com/office/drawing/2010/main" w="9525">
                     <a:solidFill>
                       <a:srgbClr val="000000"/>
                     </a:solidFill>
@@ -18451,7 +18451,7 @@
               </a:ln>
               <a:extLst>
                 <a:ext uri="{91240B29-F687-4f45-9708-019B960494DF}">
-                  <a14:hiddenLine xmlns:a14="http://schemas.microsoft.com/office/drawing/2010/main" xmlns="" w="9525">
+                  <a14:hiddenLine xmlns="" xmlns:a14="http://schemas.microsoft.com/office/drawing/2010/main" w="9525">
                     <a:solidFill>
                       <a:srgbClr val="000000"/>
                     </a:solidFill>
@@ -18541,7 +18541,7 @@
               </a:ln>
               <a:extLst>
                 <a:ext uri="{91240B29-F687-4f45-9708-019B960494DF}">
-                  <a14:hiddenLine xmlns:a14="http://schemas.microsoft.com/office/drawing/2010/main" xmlns="" w="9525">
+                  <a14:hiddenLine xmlns="" xmlns:a14="http://schemas.microsoft.com/office/drawing/2010/main" w="9525">
                     <a:solidFill>
                       <a:srgbClr val="000000"/>
                     </a:solidFill>
@@ -18631,7 +18631,7 @@
               </a:ln>
               <a:extLst>
                 <a:ext uri="{91240B29-F687-4f45-9708-019B960494DF}">
-                  <a14:hiddenLine xmlns:a14="http://schemas.microsoft.com/office/drawing/2010/main" xmlns="" w="9525">
+                  <a14:hiddenLine xmlns="" xmlns:a14="http://schemas.microsoft.com/office/drawing/2010/main" w="9525">
                     <a:solidFill>
                       <a:srgbClr val="000000"/>
                     </a:solidFill>
@@ -18696,7 +18696,7 @@
               </a:ln>
               <a:extLst>
                 <a:ext uri="{91240B29-F687-4f45-9708-019B960494DF}">
-                  <a14:hiddenLine xmlns:a14="http://schemas.microsoft.com/office/drawing/2010/main" xmlns="" w="9525">
+                  <a14:hiddenLine xmlns="" xmlns:a14="http://schemas.microsoft.com/office/drawing/2010/main" w="9525">
                     <a:solidFill>
                       <a:srgbClr val="000000"/>
                     </a:solidFill>
@@ -18816,7 +18816,7 @@
               </a:ln>
               <a:extLst>
                 <a:ext uri="{91240B29-F687-4f45-9708-019B960494DF}">
-                  <a14:hiddenLine xmlns:a14="http://schemas.microsoft.com/office/drawing/2010/main" xmlns="" w="9525">
+                  <a14:hiddenLine xmlns="" xmlns:a14="http://schemas.microsoft.com/office/drawing/2010/main" w="9525">
                     <a:solidFill>
                       <a:srgbClr val="000000"/>
                     </a:solidFill>
@@ -18914,7 +18914,7 @@
               </a:ln>
               <a:extLst>
                 <a:ext uri="{91240B29-F687-4f45-9708-019B960494DF}">
-                  <a14:hiddenLine xmlns:a14="http://schemas.microsoft.com/office/drawing/2010/main" xmlns="" w="9525">
+                  <a14:hiddenLine xmlns="" xmlns:a14="http://schemas.microsoft.com/office/drawing/2010/main" w="9525">
                     <a:solidFill>
                       <a:srgbClr val="000000"/>
                     </a:solidFill>
@@ -19029,7 +19029,7 @@
               </a:ln>
               <a:extLst>
                 <a:ext uri="{91240B29-F687-4f45-9708-019B960494DF}">
-                  <a14:hiddenLine xmlns:a14="http://schemas.microsoft.com/office/drawing/2010/main" xmlns="" w="9525">
+                  <a14:hiddenLine xmlns="" xmlns:a14="http://schemas.microsoft.com/office/drawing/2010/main" w="9525">
                     <a:solidFill>
                       <a:srgbClr val="000000"/>
                     </a:solidFill>
@@ -19119,7 +19119,7 @@
               </a:ln>
               <a:extLst>
                 <a:ext uri="{91240B29-F687-4f45-9708-019B960494DF}">
-                  <a14:hiddenLine xmlns:a14="http://schemas.microsoft.com/office/drawing/2010/main" xmlns="" w="9525">
+                  <a14:hiddenLine xmlns="" xmlns:a14="http://schemas.microsoft.com/office/drawing/2010/main" w="9525">
                     <a:solidFill>
                       <a:srgbClr val="000000"/>
                     </a:solidFill>
@@ -19184,7 +19184,7 @@
               </a:ln>
               <a:extLst>
                 <a:ext uri="{91240B29-F687-4f45-9708-019B960494DF}">
-                  <a14:hiddenLine xmlns:a14="http://schemas.microsoft.com/office/drawing/2010/main" xmlns="" w="9525">
+                  <a14:hiddenLine xmlns="" xmlns:a14="http://schemas.microsoft.com/office/drawing/2010/main" w="9525">
                     <a:solidFill>
                       <a:srgbClr val="000000"/>
                     </a:solidFill>
@@ -19274,7 +19274,7 @@
               </a:ln>
               <a:extLst>
                 <a:ext uri="{91240B29-F687-4f45-9708-019B960494DF}">
-                  <a14:hiddenLine xmlns:a14="http://schemas.microsoft.com/office/drawing/2010/main" xmlns="" w="9525">
+                  <a14:hiddenLine xmlns="" xmlns:a14="http://schemas.microsoft.com/office/drawing/2010/main" w="9525">
                     <a:solidFill>
                       <a:srgbClr val="000000"/>
                     </a:solidFill>
@@ -19342,7 +19342,7 @@
               </a:ln>
               <a:extLst>
                 <a:ext uri="{91240B29-F687-4f45-9708-019B960494DF}">
-                  <a14:hiddenLine xmlns:a14="http://schemas.microsoft.com/office/drawing/2010/main" xmlns="" w="9525">
+                  <a14:hiddenLine xmlns="" xmlns:a14="http://schemas.microsoft.com/office/drawing/2010/main" w="9525">
                     <a:solidFill>
                       <a:srgbClr val="000000"/>
                     </a:solidFill>
@@ -19432,7 +19432,7 @@
               </a:ln>
               <a:extLst>
                 <a:ext uri="{91240B29-F687-4f45-9708-019B960494DF}">
-                  <a14:hiddenLine xmlns:a14="http://schemas.microsoft.com/office/drawing/2010/main" xmlns="" w="9525">
+                  <a14:hiddenLine xmlns="" xmlns:a14="http://schemas.microsoft.com/office/drawing/2010/main" w="9525">
                     <a:solidFill>
                       <a:srgbClr val="000000"/>
                     </a:solidFill>
@@ -19500,7 +19500,7 @@
               </a:ln>
               <a:extLst>
                 <a:ext uri="{91240B29-F687-4f45-9708-019B960494DF}">
-                  <a14:hiddenLine xmlns:a14="http://schemas.microsoft.com/office/drawing/2010/main" xmlns="" w="9525">
+                  <a14:hiddenLine xmlns="" xmlns:a14="http://schemas.microsoft.com/office/drawing/2010/main" w="9525">
                     <a:solidFill>
                       <a:srgbClr val="000000"/>
                     </a:solidFill>
@@ -19590,7 +19590,7 @@
               </a:ln>
               <a:extLst>
                 <a:ext uri="{91240B29-F687-4f45-9708-019B960494DF}">
-                  <a14:hiddenLine xmlns:a14="http://schemas.microsoft.com/office/drawing/2010/main" xmlns="" w="9525">
+                  <a14:hiddenLine xmlns="" xmlns:a14="http://schemas.microsoft.com/office/drawing/2010/main" w="9525">
                     <a:solidFill>
                       <a:srgbClr val="000000"/>
                     </a:solidFill>
@@ -19624,7 +19624,7 @@
               </a:ln>
               <a:extLst>
                 <a:ext uri="{91240B29-F687-4f45-9708-019B960494DF}">
-                  <a14:hiddenLine xmlns:a14="http://schemas.microsoft.com/office/drawing/2010/main" xmlns="" w="9525">
+                  <a14:hiddenLine xmlns="" xmlns:a14="http://schemas.microsoft.com/office/drawing/2010/main" w="9525">
                     <a:solidFill>
                       <a:srgbClr val="000000"/>
                     </a:solidFill>
@@ -19764,7 +19764,7 @@
           <a:p>
             <a:fld id="{B76943AF-B946-47F7-8510-2C710F5C29B5}" type="datetimeFigureOut">
               <a:rPr lang="en-US" smtClean="0"/>
-              <a:t>6/9/2018</a:t>
+              <a:t>7/30/2018</a:t>
             </a:fld>
             <a:endParaRPr lang="en-US" dirty="0"/>
           </a:p>
